--- a/w11/w11.pptx
+++ b/w11/w11.pptx
@@ -11,6 +11,7 @@
     <p:sldId id="281" r:id="rId5"/>
     <p:sldId id="284" r:id="rId6"/>
     <p:sldId id="285" r:id="rId7"/>
+    <p:sldId id="286" r:id="rId8"/>
   </p:sldIdLst>
   <p:sldSz cx="9144000" cy="6858000" type="screen4x3"/>
   <p:notesSz cx="6888163" cy="10020300"/>
@@ -403,7 +404,7 @@
           <a:p>
             <a:fld id="{5BBEAD13-0566-4C6C-97E7-55F17F24B09F}" type="datetimeFigureOut">
               <a:rPr lang="zh-TW" altLang="en-US" smtClean="0"/>
-              <a:t>2022/4/28</a:t>
+              <a:t>2022/4/29</a:t>
             </a:fld>
             <a:endParaRPr lang="zh-TW" altLang="en-US"/>
           </a:p>
@@ -594,7 +595,7 @@
           <a:p>
             <a:fld id="{5BBEAD13-0566-4C6C-97E7-55F17F24B09F}" type="datetimeFigureOut">
               <a:rPr lang="zh-TW" altLang="en-US" smtClean="0"/>
-              <a:t>2022/4/28</a:t>
+              <a:t>2022/4/29</a:t>
             </a:fld>
             <a:endParaRPr lang="zh-TW" altLang="en-US"/>
           </a:p>
@@ -779,7 +780,7 @@
           <a:p>
             <a:fld id="{5BBEAD13-0566-4C6C-97E7-55F17F24B09F}" type="datetimeFigureOut">
               <a:rPr lang="zh-TW" altLang="en-US" smtClean="0"/>
-              <a:t>2022/4/28</a:t>
+              <a:t>2022/4/29</a:t>
             </a:fld>
             <a:endParaRPr lang="zh-TW" altLang="en-US"/>
           </a:p>
@@ -1042,7 +1043,7 @@
           <a:p>
             <a:fld id="{5BBEAD13-0566-4C6C-97E7-55F17F24B09F}" type="datetimeFigureOut">
               <a:rPr lang="zh-TW" altLang="en-US" smtClean="0"/>
-              <a:t>2022/4/28</a:t>
+              <a:t>2022/4/29</a:t>
             </a:fld>
             <a:endParaRPr lang="zh-TW" altLang="en-US"/>
           </a:p>
@@ -1458,7 +1459,7 @@
           <a:p>
             <a:fld id="{5BBEAD13-0566-4C6C-97E7-55F17F24B09F}" type="datetimeFigureOut">
               <a:rPr lang="zh-TW" altLang="en-US" smtClean="0"/>
-              <a:t>2022/4/28</a:t>
+              <a:t>2022/4/29</a:t>
             </a:fld>
             <a:endParaRPr lang="zh-TW" altLang="en-US"/>
           </a:p>
@@ -1700,7 +1701,7 @@
           <a:p>
             <a:fld id="{5BBEAD13-0566-4C6C-97E7-55F17F24B09F}" type="datetimeFigureOut">
               <a:rPr lang="zh-TW" altLang="en-US" smtClean="0"/>
-              <a:t>2022/4/28</a:t>
+              <a:t>2022/4/29</a:t>
             </a:fld>
             <a:endParaRPr lang="zh-TW" altLang="en-US"/>
           </a:p>
@@ -1936,7 +1937,7 @@
           <a:p>
             <a:fld id="{5BBEAD13-0566-4C6C-97E7-55F17F24B09F}" type="datetimeFigureOut">
               <a:rPr lang="zh-TW" altLang="en-US" smtClean="0"/>
-              <a:t>2022/4/28</a:t>
+              <a:t>2022/4/29</a:t>
             </a:fld>
             <a:endParaRPr lang="zh-TW" altLang="en-US"/>
           </a:p>
@@ -2131,7 +2132,7 @@
           <a:p>
             <a:fld id="{5BBEAD13-0566-4C6C-97E7-55F17F24B09F}" type="datetimeFigureOut">
               <a:rPr lang="zh-TW" altLang="en-US" smtClean="0"/>
-              <a:t>2022/4/28</a:t>
+              <a:t>2022/4/29</a:t>
             </a:fld>
             <a:endParaRPr lang="zh-TW" altLang="en-US"/>
           </a:p>
@@ -2229,7 +2230,7 @@
           <a:p>
             <a:fld id="{5BBEAD13-0566-4C6C-97E7-55F17F24B09F}" type="datetimeFigureOut">
               <a:rPr lang="zh-TW" altLang="en-US" smtClean="0"/>
-              <a:t>2022/4/28</a:t>
+              <a:t>2022/4/29</a:t>
             </a:fld>
             <a:endParaRPr lang="zh-TW" altLang="en-US"/>
           </a:p>
@@ -2365,7 +2366,7 @@
           <a:p>
             <a:fld id="{5BBEAD13-0566-4C6C-97E7-55F17F24B09F}" type="datetimeFigureOut">
               <a:rPr lang="zh-TW" altLang="en-US" smtClean="0"/>
-              <a:t>2022/4/28</a:t>
+              <a:t>2022/4/29</a:t>
             </a:fld>
             <a:endParaRPr lang="zh-TW" altLang="en-US"/>
           </a:p>
@@ -2883,7 +2884,7 @@
           <a:p>
             <a:fld id="{5BBEAD13-0566-4C6C-97E7-55F17F24B09F}" type="datetimeFigureOut">
               <a:rPr lang="zh-TW" altLang="en-US" smtClean="0"/>
-              <a:t>2022/4/28</a:t>
+              <a:t>2022/4/29</a:t>
             </a:fld>
             <a:endParaRPr lang="zh-TW" altLang="en-US"/>
           </a:p>
@@ -3144,7 +3145,7 @@
           <a:p>
             <a:fld id="{5BBEAD13-0566-4C6C-97E7-55F17F24B09F}" type="datetimeFigureOut">
               <a:rPr lang="zh-TW" altLang="en-US" smtClean="0"/>
-              <a:t>2022/4/28</a:t>
+              <a:t>2022/4/29</a:t>
             </a:fld>
             <a:endParaRPr lang="zh-TW" altLang="en-US"/>
           </a:p>
@@ -3708,11 +3709,7 @@
             </a:r>
             <a:r>
               <a:rPr lang="en-US" altLang="zh-TW" dirty="0" smtClean="0"/>
-              <a:t>-</a:t>
-            </a:r>
-            <a:r>
-              <a:rPr lang="en-US" altLang="zh-TW" dirty="0" smtClean="0"/>
-              <a:t>W11</a:t>
+              <a:t>-W11</a:t>
             </a:r>
             <a:endParaRPr lang="zh-TW" altLang="en-US" dirty="0"/>
           </a:p>
@@ -3796,42 +3793,30 @@
             </a:r>
             <a:r>
               <a:rPr lang="zh-TW" altLang="en-US" dirty="0" smtClean="0"/>
-              <a:t>的</a:t>
-            </a:r>
+              <a:t>的主題</a:t>
+            </a:r>
+            <a:endParaRPr lang="zh-TW" altLang="en-US" dirty="0"/>
+          </a:p>
+        </p:txBody>
+      </p:sp>
+      <p:sp>
+        <p:nvSpPr>
+          <p:cNvPr id="3" name="內容版面配置區 2"/>
+          <p:cNvSpPr>
+            <a:spLocks noGrp="1"/>
+          </p:cNvSpPr>
+          <p:nvPr>
+            <p:ph sz="quarter" idx="1"/>
+          </p:nvPr>
+        </p:nvSpPr>
+        <p:spPr/>
+        <p:txBody>
+          <a:bodyPr/>
+          <a:lstStyle/>
+          <a:p>
             <a:r>
               <a:rPr lang="zh-TW" altLang="en-US" dirty="0" smtClean="0"/>
-              <a:t>主題</a:t>
-            </a:r>
-            <a:endParaRPr lang="zh-TW" altLang="en-US" dirty="0"/>
-          </a:p>
-        </p:txBody>
-      </p:sp>
-      <p:sp>
-        <p:nvSpPr>
-          <p:cNvPr id="3" name="內容版面配置區 2"/>
-          <p:cNvSpPr>
-            <a:spLocks noGrp="1"/>
-          </p:cNvSpPr>
-          <p:nvPr>
-            <p:ph sz="quarter" idx="1"/>
-          </p:nvPr>
-        </p:nvSpPr>
-        <p:spPr/>
-        <p:txBody>
-          <a:bodyPr/>
-          <a:lstStyle/>
-          <a:p>
-            <a:r>
-              <a:rPr lang="zh-TW" altLang="en-US" dirty="0" smtClean="0"/>
-              <a:t>體</a:t>
-            </a:r>
-            <a:r>
-              <a:rPr lang="zh-TW" altLang="en-US" dirty="0" smtClean="0"/>
-              <a:t>感</a:t>
-            </a:r>
-            <a:r>
-              <a:rPr lang="zh-TW" altLang="en-US" dirty="0" smtClean="0"/>
-              <a:t>控球應用</a:t>
+              <a:t>體感控球應用</a:t>
             </a:r>
             <a:endParaRPr lang="en-US" altLang="zh-TW" dirty="0" smtClean="0"/>
           </a:p>
@@ -4336,7 +4321,6 @@
               <a:rPr lang="zh-TW" altLang="en-US" dirty="0"/>
               <a:t>體感控制平衡球</a:t>
             </a:r>
-            <a:endParaRPr lang="zh-TW" altLang="en-US" dirty="0"/>
           </a:p>
         </p:txBody>
       </p:sp>
@@ -4478,7 +4462,6 @@
               <a:rPr lang="zh-TW" altLang="en-US" dirty="0"/>
               <a:t>體感控制平衡球</a:t>
             </a:r>
-            <a:endParaRPr lang="zh-TW" altLang="en-US" dirty="0"/>
           </a:p>
         </p:txBody>
       </p:sp>
@@ -4569,6 +4552,90 @@
     <p:extLst>
       <p:ext uri="{BB962C8B-B14F-4D97-AF65-F5344CB8AC3E}">
         <p14:creationId xmlns:p14="http://schemas.microsoft.com/office/powerpoint/2010/main" val="3755868160"/>
+      </p:ext>
+    </p:extLst>
+  </p:cSld>
+  <p:clrMapOvr>
+    <a:masterClrMapping/>
+  </p:clrMapOvr>
+</p:sld>
+</file>
+
+<file path=ppt/slides/slide7.xml><?xml version="1.0" encoding="utf-8"?>
+<p:sld xmlns:a="http://schemas.openxmlformats.org/drawingml/2006/main" xmlns:r="http://schemas.openxmlformats.org/officeDocument/2006/relationships" xmlns:p="http://schemas.openxmlformats.org/presentationml/2006/main">
+  <p:cSld>
+    <p:spTree>
+      <p:nvGrpSpPr>
+        <p:cNvPr id="1" name=""/>
+        <p:cNvGrpSpPr/>
+        <p:nvPr/>
+      </p:nvGrpSpPr>
+      <p:grpSpPr>
+        <a:xfrm>
+          <a:off x="0" y="0"/>
+          <a:ext cx="0" cy="0"/>
+          <a:chOff x="0" y="0"/>
+          <a:chExt cx="0" cy="0"/>
+        </a:xfrm>
+      </p:grpSpPr>
+      <p:sp>
+        <p:nvSpPr>
+          <p:cNvPr id="2" name="標題 1"/>
+          <p:cNvSpPr>
+            <a:spLocks noGrp="1"/>
+          </p:cNvSpPr>
+          <p:nvPr>
+            <p:ph type="title"/>
+          </p:nvPr>
+        </p:nvSpPr>
+        <p:spPr/>
+        <p:txBody>
+          <a:bodyPr/>
+          <a:lstStyle/>
+          <a:p>
+            <a:r>
+              <a:rPr lang="en-US" altLang="zh-TW" dirty="0" smtClean="0"/>
+              <a:t>Demo</a:t>
+            </a:r>
+            <a:endParaRPr lang="zh-TW" altLang="en-US" dirty="0"/>
+          </a:p>
+        </p:txBody>
+      </p:sp>
+      <p:sp>
+        <p:nvSpPr>
+          <p:cNvPr id="3" name="內容版面配置區 2"/>
+          <p:cNvSpPr>
+            <a:spLocks noGrp="1"/>
+          </p:cNvSpPr>
+          <p:nvPr>
+            <p:ph sz="quarter" idx="1"/>
+          </p:nvPr>
+        </p:nvSpPr>
+        <p:spPr/>
+        <p:txBody>
+          <a:bodyPr/>
+          <a:lstStyle/>
+          <a:p>
+            <a:r>
+              <a:rPr lang="zh-TW" altLang="en-US" dirty="0" smtClean="0"/>
+              <a:t>可以參考</a:t>
+            </a:r>
+            <a:r>
+              <a:rPr lang="en-US" altLang="zh-TW" dirty="0" smtClean="0"/>
+              <a:t>HTC</a:t>
+            </a:r>
+            <a:r>
+              <a:rPr lang="zh-TW" altLang="en-US" dirty="0" smtClean="0"/>
+              <a:t>的這個遊戲範例</a:t>
+            </a:r>
+            <a:endParaRPr lang="zh-TW" altLang="en-US" dirty="0"/>
+          </a:p>
+        </p:txBody>
+      </p:sp>
+    </p:spTree>
+    <p:extLst>
+      <p:ext uri="{BB962C8B-B14F-4D97-AF65-F5344CB8AC3E}">
+        <p14:creationId xmlns:p14="http://schemas.microsoft.com/office/powerpoint/2010/main" val="2575099819"/>
       </p:ext>
     </p:extLst>
   </p:cSld>
